--- a/2-ccs/lec26-rw-example-v10.pptx
+++ b/2-ccs/lec26-rw-example-v10.pptx
@@ -5832,147 +5832,6 @@
           </a:p>
         </p:txBody>
       </p:sp>
-      <p:sp>
-        <p:nvSpPr>
-          <p:cNvPr id="11267" name="Rectangle 3">
-            <a:extLst>
-              <a:ext uri="{FF2B5EF4-FFF2-40B4-BE49-F238E27FC236}">
-                <a16:creationId xmlns:a16="http://schemas.microsoft.com/office/drawing/2014/main" id="{640644E9-2599-4324-8D8E-8678CA9192B2}"/>
-              </a:ext>
-            </a:extLst>
-          </p:cNvPr>
-          <p:cNvSpPr>
-            <a:spLocks noGrp="1" noChangeArrowheads="1"/>
-          </p:cNvSpPr>
-          <p:nvPr>
-            <p:ph type="body" sz="half" idx="1"/>
-          </p:nvPr>
-        </p:nvSpPr>
-        <p:spPr>
-          <a:xfrm>
-            <a:off x="539552" y="620688"/>
-            <a:ext cx="8496944" cy="3949700"/>
-          </a:xfrm>
-        </p:spPr>
-        <p:txBody>
-          <a:bodyPr/>
-          <a:lstStyle/>
-          <a:p>
-            <a:pPr eaLnBrk="1" hangingPunct="1">
-              <a:lnSpc>
-                <a:spcPct val="120000"/>
-              </a:lnSpc>
-            </a:pPr>
-            <a:r>
-              <a:rPr lang="en-US" altLang="ko-KR" sz="2800" dirty="0"/>
-              <a:t>Valid execution paths</a:t>
-            </a:r>
-          </a:p>
-          <a:p>
-            <a:pPr lvl="1" eaLnBrk="1" hangingPunct="1">
-              <a:lnSpc>
-                <a:spcPct val="120000"/>
-              </a:lnSpc>
-            </a:pPr>
-            <a:r>
-              <a:rPr lang="en-US" altLang="ko-KR" sz="2400"/>
-              <a:t>High </a:t>
-            </a:r>
-            <a:r>
-              <a:rPr lang="en-US" altLang="ko-KR" sz="2400" dirty="0"/>
-              <a:t>Priority of Writer </a:t>
-            </a:r>
-            <a:r>
-              <a:rPr lang="en-US" altLang="ko-KR" sz="2400"/>
-              <a:t>#2 (HPW#2)</a:t>
-            </a:r>
-            <a:endParaRPr lang="en-US" altLang="ko-KR" sz="2400" dirty="0"/>
-          </a:p>
-          <a:p>
-            <a:pPr lvl="2" eaLnBrk="1" hangingPunct="1">
-              <a:lnSpc>
-                <a:spcPct val="120000"/>
-              </a:lnSpc>
-            </a:pPr>
-            <a:r>
-              <a:rPr lang="en-US" altLang="ko-KR" sz="2000"/>
-              <a:t>Difficult to specify HPW#2 in the given formal framework </a:t>
-            </a:r>
-            <a:br>
-              <a:rPr lang="en-US" altLang="ko-KR" sz="2000"/>
-            </a:br>
-            <a:r>
-              <a:rPr lang="en-US" altLang="ko-KR" sz="2000"/>
-              <a:t>since we need to specify an order of events in a trace  </a:t>
-            </a:r>
-          </a:p>
-          <a:p>
-            <a:pPr lvl="3" eaLnBrk="1" hangingPunct="1">
-              <a:lnSpc>
-                <a:spcPct val="120000"/>
-              </a:lnSpc>
-            </a:pPr>
-            <a:r>
-              <a:rPr lang="en-US" altLang="ko-KR" sz="1600"/>
-              <a:t>Ex. we need to distinguish </a:t>
-            </a:r>
-            <a:r>
-              <a:rPr lang="en-US" altLang="ko-KR" sz="1600" b="1"/>
-              <a:t>ir1.ww.rs1</a:t>
-            </a:r>
-            <a:r>
-              <a:rPr lang="en-US" altLang="ko-KR" sz="1600"/>
-              <a:t> and </a:t>
-            </a:r>
-            <a:r>
-              <a:rPr lang="en-US" altLang="ko-KR" sz="1600" b="1"/>
-              <a:t>ww.ir1.rs1 </a:t>
-            </a:r>
-            <a:endParaRPr lang="en-US" altLang="ko-KR"/>
-          </a:p>
-          <a:p>
-            <a:pPr lvl="2" eaLnBrk="1" hangingPunct="1">
-              <a:lnSpc>
-                <a:spcPct val="120000"/>
-              </a:lnSpc>
-            </a:pPr>
-            <a:endParaRPr lang="en-US" altLang="ko-KR" sz="2000"/>
-          </a:p>
-          <a:p>
-            <a:pPr lvl="2" eaLnBrk="1" hangingPunct="1">
-              <a:lnSpc>
-                <a:spcPct val="120000"/>
-              </a:lnSpc>
-              <a:buFontTx/>
-              <a:buNone/>
-            </a:pPr>
-            <a:r>
-              <a:rPr lang="en-US" altLang="ko-KR" sz="2000"/>
-              <a:t>	</a:t>
-            </a:r>
-          </a:p>
-          <a:p>
-            <a:pPr lvl="2" eaLnBrk="1" hangingPunct="1">
-              <a:lnSpc>
-                <a:spcPct val="120000"/>
-              </a:lnSpc>
-              <a:buFontTx/>
-              <a:buNone/>
-            </a:pPr>
-            <a:endParaRPr lang="en-US" altLang="ko-KR" sz="2000" dirty="0"/>
-          </a:p>
-          <a:p>
-            <a:pPr lvl="2" eaLnBrk="1" hangingPunct="1">
-              <a:lnSpc>
-                <a:spcPct val="120000"/>
-              </a:lnSpc>
-              <a:buFontTx/>
-              <a:buNone/>
-            </a:pPr>
-            <a:endParaRPr lang="en-US" altLang="ko-KR" sz="2000" dirty="0"/>
-          </a:p>
-        </p:txBody>
-      </p:sp>
       <p:grpSp>
         <p:nvGrpSpPr>
           <p:cNvPr id="20" name="그룹 19">
@@ -5987,7 +5846,7 @@
         </p:nvGrpSpPr>
         <p:grpSpPr>
           <a:xfrm>
-            <a:off x="2667347" y="2708920"/>
+            <a:off x="2123728" y="2708920"/>
             <a:ext cx="4352925" cy="3714750"/>
             <a:chOff x="4755579" y="2784426"/>
             <a:chExt cx="4352925" cy="3714750"/>
@@ -6023,8 +5882,8 @@
             </a:prstGeom>
           </p:spPr>
         </p:pic>
-        <mc:AlternateContent xmlns:mc="http://schemas.openxmlformats.org/markup-compatibility/2006">
-          <mc:Choice xmlns:p14="http://schemas.microsoft.com/office/powerpoint/2010/main" Requires="p14">
+        <mc:AlternateContent xmlns:mc="http://schemas.openxmlformats.org/markup-compatibility/2006" xmlns:p14="http://schemas.microsoft.com/office/powerpoint/2010/main">
+          <mc:Choice Requires="p14">
             <p:contentPart p14:bwMode="auto" r:id="rId5">
               <p14:nvContentPartPr>
                 <p14:cNvPr id="19" name="잉크 18">
@@ -6043,7 +5902,7 @@
               </p14:xfrm>
             </p:contentPart>
           </mc:Choice>
-          <mc:Fallback>
+          <mc:Fallback xmlns="">
             <p:pic>
               <p:nvPicPr>
                 <p:cNvPr id="19" name="잉크 18">
@@ -6092,7 +5951,7 @@
         </p:nvCxnSpPr>
         <p:spPr bwMode="auto">
           <a:xfrm flipH="1">
-            <a:off x="5311576" y="4735754"/>
+            <a:off x="4767957" y="4735754"/>
             <a:ext cx="128794" cy="380478"/>
           </a:xfrm>
           <a:prstGeom prst="straightConnector1">
@@ -6125,7 +5984,7 @@
         </p:nvSpPr>
         <p:spPr bwMode="auto">
           <a:xfrm>
-            <a:off x="5115048" y="5163192"/>
+            <a:off x="4571429" y="5163192"/>
             <a:ext cx="360040" cy="338554"/>
           </a:xfrm>
           <a:prstGeom prst="ellipse">
@@ -6198,7 +6057,7 @@
         </p:nvSpPr>
         <p:spPr>
           <a:xfrm>
-            <a:off x="5115048" y="5116232"/>
+            <a:off x="4571429" y="5116232"/>
             <a:ext cx="393056" cy="338554"/>
           </a:xfrm>
           <a:prstGeom prst="rect">
@@ -6259,7 +6118,7 @@
         </p:nvSpPr>
         <p:spPr bwMode="auto">
           <a:xfrm>
-            <a:off x="5264454" y="4756192"/>
+            <a:off x="4720835" y="4756192"/>
             <a:ext cx="315658" cy="307777"/>
           </a:xfrm>
           <a:prstGeom prst="mathMultiply">
@@ -6332,7 +6191,7 @@
         </p:nvSpPr>
         <p:spPr>
           <a:xfrm>
-            <a:off x="5004048" y="4664439"/>
+            <a:off x="4460429" y="4664439"/>
             <a:ext cx="360996" cy="307777"/>
           </a:xfrm>
           <a:prstGeom prst="rect">
@@ -6367,6 +6226,155 @@
                 <a:srgbClr val="FF0000"/>
               </a:solidFill>
             </a:endParaRPr>
+          </a:p>
+        </p:txBody>
+      </p:sp>
+      <p:sp>
+        <p:nvSpPr>
+          <p:cNvPr id="11267" name="Rectangle 3">
+            <a:extLst>
+              <a:ext uri="{FF2B5EF4-FFF2-40B4-BE49-F238E27FC236}">
+                <a16:creationId xmlns:a16="http://schemas.microsoft.com/office/drawing/2014/main" id="{640644E9-2599-4324-8D8E-8678CA9192B2}"/>
+              </a:ext>
+            </a:extLst>
+          </p:cNvPr>
+          <p:cNvSpPr>
+            <a:spLocks noGrp="1" noChangeArrowheads="1"/>
+          </p:cNvSpPr>
+          <p:nvPr>
+            <p:ph type="body" sz="half" idx="1"/>
+          </p:nvPr>
+        </p:nvSpPr>
+        <p:spPr>
+          <a:xfrm>
+            <a:off x="251520" y="620688"/>
+            <a:ext cx="8604448" cy="3949700"/>
+          </a:xfrm>
+        </p:spPr>
+        <p:txBody>
+          <a:bodyPr/>
+          <a:lstStyle/>
+          <a:p>
+            <a:pPr eaLnBrk="1" hangingPunct="1">
+              <a:lnSpc>
+                <a:spcPct val="120000"/>
+              </a:lnSpc>
+            </a:pPr>
+            <a:r>
+              <a:rPr lang="en-US" altLang="ko-KR" sz="2800" dirty="0"/>
+              <a:t>Valid execution paths</a:t>
+            </a:r>
+          </a:p>
+          <a:p>
+            <a:pPr lvl="1" eaLnBrk="1" hangingPunct="1">
+              <a:lnSpc>
+                <a:spcPct val="120000"/>
+              </a:lnSpc>
+            </a:pPr>
+            <a:r>
+              <a:rPr lang="en-US" altLang="ko-KR" sz="2400"/>
+              <a:t>High </a:t>
+            </a:r>
+            <a:r>
+              <a:rPr lang="en-US" altLang="ko-KR" sz="2400" dirty="0"/>
+              <a:t>Priority of Writer </a:t>
+            </a:r>
+            <a:r>
+              <a:rPr lang="en-US" altLang="ko-KR" sz="2400"/>
+              <a:t>#2 (HPW#2)</a:t>
+            </a:r>
+            <a:endParaRPr lang="en-US" altLang="ko-KR" sz="2400" dirty="0"/>
+          </a:p>
+          <a:p>
+            <a:pPr lvl="2" eaLnBrk="1" hangingPunct="1">
+              <a:lnSpc>
+                <a:spcPct val="120000"/>
+              </a:lnSpc>
+            </a:pPr>
+            <a:r>
+              <a:rPr lang="en-US" altLang="ko-KR" sz="2000"/>
+              <a:t>Difficult to formally</a:t>
+            </a:r>
+            <a:r>
+              <a:rPr lang="ko-KR" altLang="en-US" sz="2000"/>
+              <a:t> </a:t>
+            </a:r>
+            <a:r>
+              <a:rPr lang="en-US" altLang="ko-KR" sz="2000"/>
+              <a:t>specify HPW#2 in the given formal framework </a:t>
+            </a:r>
+            <a:br>
+              <a:rPr lang="en-US" altLang="ko-KR" sz="2000"/>
+            </a:br>
+            <a:r>
+              <a:rPr lang="en-US" altLang="ko-KR" sz="2000"/>
+              <a:t>since we need to specify an order of events in a trace  </a:t>
+            </a:r>
+          </a:p>
+          <a:p>
+            <a:pPr lvl="3" eaLnBrk="1" hangingPunct="1">
+              <a:lnSpc>
+                <a:spcPct val="120000"/>
+              </a:lnSpc>
+            </a:pPr>
+            <a:r>
+              <a:rPr lang="en-US" altLang="ko-KR" sz="1600"/>
+              <a:t>Ex. we need to distinguish </a:t>
+            </a:r>
+            <a:r>
+              <a:rPr lang="en-US" altLang="ko-KR" sz="1600" b="1"/>
+              <a:t>ir1.ww.rs1</a:t>
+            </a:r>
+            <a:r>
+              <a:rPr lang="en-US" altLang="ko-KR" sz="1600"/>
+              <a:t> and </a:t>
+            </a:r>
+            <a:r>
+              <a:rPr lang="en-US" altLang="ko-KR" sz="1600" b="1"/>
+              <a:t>ww.ir1.rs1 </a:t>
+            </a:r>
+            <a:endParaRPr lang="en-US" altLang="ko-KR"/>
+          </a:p>
+          <a:p>
+            <a:pPr lvl="2" eaLnBrk="1" hangingPunct="1">
+              <a:lnSpc>
+                <a:spcPct val="120000"/>
+              </a:lnSpc>
+            </a:pPr>
+            <a:endParaRPr lang="en-US" altLang="ko-KR" sz="2000"/>
+          </a:p>
+          <a:p>
+            <a:pPr lvl="2" eaLnBrk="1" hangingPunct="1">
+              <a:lnSpc>
+                <a:spcPct val="120000"/>
+              </a:lnSpc>
+              <a:buFontTx/>
+              <a:buNone/>
+            </a:pPr>
+            <a:r>
+              <a:rPr lang="en-US" altLang="ko-KR" sz="2000"/>
+              <a:t>	</a:t>
+            </a:r>
+          </a:p>
+          <a:p>
+            <a:pPr lvl="2" eaLnBrk="1" hangingPunct="1">
+              <a:lnSpc>
+                <a:spcPct val="120000"/>
+              </a:lnSpc>
+              <a:buFontTx/>
+              <a:buNone/>
+            </a:pPr>
+            <a:endParaRPr lang="en-US" altLang="ko-KR" sz="2000" dirty="0"/>
+          </a:p>
+          <a:p>
+            <a:pPr lvl="2" eaLnBrk="1" hangingPunct="1">
+              <a:lnSpc>
+                <a:spcPct val="120000"/>
+              </a:lnSpc>
+              <a:buFontTx/>
+              <a:buNone/>
+            </a:pPr>
+            <a:endParaRPr lang="en-US" altLang="ko-KR" sz="2000" dirty="0"/>
           </a:p>
         </p:txBody>
       </p:sp>
